--- a/curriculum.pptx
+++ b/curriculum.pptx
@@ -496,7 +496,7 @@
           <a:p>
             <a:fld id="{9F28C9D7-B293-4C2E-90CE-AC031540AB14}" type="datetimeFigureOut">
               <a:rPr lang="en-IN" smtClean="0"/>
-              <a:t>17-12-2021</a:t>
+              <a:t>20-12-2021</a:t>
             </a:fld>
             <a:endParaRPr lang="en-IN"/>
           </a:p>
@@ -661,7 +661,7 @@
           <a:p>
             <a:fld id="{9F28C9D7-B293-4C2E-90CE-AC031540AB14}" type="datetimeFigureOut">
               <a:rPr lang="en-IN" smtClean="0"/>
-              <a:t>17-12-2021</a:t>
+              <a:t>20-12-2021</a:t>
             </a:fld>
             <a:endParaRPr lang="en-IN"/>
           </a:p>
@@ -836,7 +836,7 @@
           <a:p>
             <a:fld id="{9F28C9D7-B293-4C2E-90CE-AC031540AB14}" type="datetimeFigureOut">
               <a:rPr lang="en-IN" smtClean="0"/>
-              <a:t>17-12-2021</a:t>
+              <a:t>20-12-2021</a:t>
             </a:fld>
             <a:endParaRPr lang="en-IN"/>
           </a:p>
@@ -1005,7 +1005,7 @@
           <a:p>
             <a:fld id="{9F28C9D7-B293-4C2E-90CE-AC031540AB14}" type="datetimeFigureOut">
               <a:rPr lang="en-IN" smtClean="0"/>
-              <a:t>17-12-2021</a:t>
+              <a:t>20-12-2021</a:t>
             </a:fld>
             <a:endParaRPr lang="en-IN"/>
           </a:p>
@@ -1460,7 +1460,7 @@
           <a:p>
             <a:fld id="{9F28C9D7-B293-4C2E-90CE-AC031540AB14}" type="datetimeFigureOut">
               <a:rPr lang="en-IN" smtClean="0"/>
-              <a:t>17-12-2021</a:t>
+              <a:t>20-12-2021</a:t>
             </a:fld>
             <a:endParaRPr lang="en-IN"/>
           </a:p>
@@ -1724,7 +1724,7 @@
           <a:p>
             <a:fld id="{9F28C9D7-B293-4C2E-90CE-AC031540AB14}" type="datetimeFigureOut">
               <a:rPr lang="en-IN" smtClean="0"/>
-              <a:t>17-12-2021</a:t>
+              <a:t>20-12-2021</a:t>
             </a:fld>
             <a:endParaRPr lang="en-IN"/>
           </a:p>
@@ -2098,7 +2098,7 @@
           <a:p>
             <a:fld id="{9F28C9D7-B293-4C2E-90CE-AC031540AB14}" type="datetimeFigureOut">
               <a:rPr lang="en-IN" smtClean="0"/>
-              <a:t>17-12-2021</a:t>
+              <a:t>20-12-2021</a:t>
             </a:fld>
             <a:endParaRPr lang="en-IN"/>
           </a:p>
@@ -2220,7 +2220,7 @@
           <a:p>
             <a:fld id="{9F28C9D7-B293-4C2E-90CE-AC031540AB14}" type="datetimeFigureOut">
               <a:rPr lang="en-IN" smtClean="0"/>
-              <a:t>17-12-2021</a:t>
+              <a:t>20-12-2021</a:t>
             </a:fld>
             <a:endParaRPr lang="en-IN"/>
           </a:p>
@@ -2310,7 +2310,7 @@
           <a:p>
             <a:fld id="{9F28C9D7-B293-4C2E-90CE-AC031540AB14}" type="datetimeFigureOut">
               <a:rPr lang="en-IN" smtClean="0"/>
-              <a:t>17-12-2021</a:t>
+              <a:t>20-12-2021</a:t>
             </a:fld>
             <a:endParaRPr lang="en-IN"/>
           </a:p>
@@ -2559,7 +2559,7 @@
           <a:p>
             <a:fld id="{9F28C9D7-B293-4C2E-90CE-AC031540AB14}" type="datetimeFigureOut">
               <a:rPr lang="en-IN" smtClean="0"/>
-              <a:t>17-12-2021</a:t>
+              <a:t>20-12-2021</a:t>
             </a:fld>
             <a:endParaRPr lang="en-IN"/>
           </a:p>
@@ -2818,7 +2818,7 @@
           <a:p>
             <a:fld id="{9F28C9D7-B293-4C2E-90CE-AC031540AB14}" type="datetimeFigureOut">
               <a:rPr lang="en-IN" smtClean="0"/>
-              <a:t>17-12-2021</a:t>
+              <a:t>20-12-2021</a:t>
             </a:fld>
             <a:endParaRPr lang="en-IN"/>
           </a:p>
@@ -3222,7 +3222,7 @@
           <a:p>
             <a:fld id="{9F28C9D7-B293-4C2E-90CE-AC031540AB14}" type="datetimeFigureOut">
               <a:rPr lang="en-IN" smtClean="0"/>
-              <a:t>17-12-2021</a:t>
+              <a:t>20-12-2021</a:t>
             </a:fld>
             <a:endParaRPr lang="en-IN"/>
           </a:p>
@@ -3799,7 +3799,6 @@
               <a:rPr lang="en-US" sz="1800" dirty="0" smtClean="0"/>
               <a:t>Comments &amp; Indentation</a:t>
             </a:r>
-            <a:endParaRPr lang="en-US" sz="1800" dirty="0" smtClean="0"/>
           </a:p>
           <a:p>
             <a:pPr lvl="1"/>
@@ -3814,7 +3813,6 @@
               <a:rPr lang="en-US" sz="1800" dirty="0" smtClean="0"/>
               <a:t>Data Types</a:t>
             </a:r>
-            <a:endParaRPr lang="en-US" sz="1800" dirty="0" smtClean="0"/>
           </a:p>
           <a:p>
             <a:pPr lvl="1"/>
@@ -4351,11 +4349,7 @@
           <a:p>
             <a:r>
               <a:rPr lang="en-US" sz="2600" b="1" dirty="0" smtClean="0"/>
-              <a:t>Data </a:t>
-            </a:r>
-            <a:r>
-              <a:rPr lang="en-US" sz="2600" b="1" dirty="0" smtClean="0"/>
-              <a:t>Collections (Lists</a:t>
+              <a:t>Data Collections (Lists</a:t>
             </a:r>
             <a:r>
               <a:rPr lang="en-US" sz="2600" b="1" dirty="0"/>

--- a/curriculum.pptx
+++ b/curriculum.pptx
@@ -496,7 +496,7 @@
           <a:p>
             <a:fld id="{9F28C9D7-B293-4C2E-90CE-AC031540AB14}" type="datetimeFigureOut">
               <a:rPr lang="en-IN" smtClean="0"/>
-              <a:t>20-12-2021</a:t>
+              <a:t>24-12-2021</a:t>
             </a:fld>
             <a:endParaRPr lang="en-IN"/>
           </a:p>
@@ -661,7 +661,7 @@
           <a:p>
             <a:fld id="{9F28C9D7-B293-4C2E-90CE-AC031540AB14}" type="datetimeFigureOut">
               <a:rPr lang="en-IN" smtClean="0"/>
-              <a:t>20-12-2021</a:t>
+              <a:t>24-12-2021</a:t>
             </a:fld>
             <a:endParaRPr lang="en-IN"/>
           </a:p>
@@ -836,7 +836,7 @@
           <a:p>
             <a:fld id="{9F28C9D7-B293-4C2E-90CE-AC031540AB14}" type="datetimeFigureOut">
               <a:rPr lang="en-IN" smtClean="0"/>
-              <a:t>20-12-2021</a:t>
+              <a:t>24-12-2021</a:t>
             </a:fld>
             <a:endParaRPr lang="en-IN"/>
           </a:p>
@@ -1005,7 +1005,7 @@
           <a:p>
             <a:fld id="{9F28C9D7-B293-4C2E-90CE-AC031540AB14}" type="datetimeFigureOut">
               <a:rPr lang="en-IN" smtClean="0"/>
-              <a:t>20-12-2021</a:t>
+              <a:t>24-12-2021</a:t>
             </a:fld>
             <a:endParaRPr lang="en-IN"/>
           </a:p>
@@ -1460,7 +1460,7 @@
           <a:p>
             <a:fld id="{9F28C9D7-B293-4C2E-90CE-AC031540AB14}" type="datetimeFigureOut">
               <a:rPr lang="en-IN" smtClean="0"/>
-              <a:t>20-12-2021</a:t>
+              <a:t>24-12-2021</a:t>
             </a:fld>
             <a:endParaRPr lang="en-IN"/>
           </a:p>
@@ -1724,7 +1724,7 @@
           <a:p>
             <a:fld id="{9F28C9D7-B293-4C2E-90CE-AC031540AB14}" type="datetimeFigureOut">
               <a:rPr lang="en-IN" smtClean="0"/>
-              <a:t>20-12-2021</a:t>
+              <a:t>24-12-2021</a:t>
             </a:fld>
             <a:endParaRPr lang="en-IN"/>
           </a:p>
@@ -2098,7 +2098,7 @@
           <a:p>
             <a:fld id="{9F28C9D7-B293-4C2E-90CE-AC031540AB14}" type="datetimeFigureOut">
               <a:rPr lang="en-IN" smtClean="0"/>
-              <a:t>20-12-2021</a:t>
+              <a:t>24-12-2021</a:t>
             </a:fld>
             <a:endParaRPr lang="en-IN"/>
           </a:p>
@@ -2220,7 +2220,7 @@
           <a:p>
             <a:fld id="{9F28C9D7-B293-4C2E-90CE-AC031540AB14}" type="datetimeFigureOut">
               <a:rPr lang="en-IN" smtClean="0"/>
-              <a:t>20-12-2021</a:t>
+              <a:t>24-12-2021</a:t>
             </a:fld>
             <a:endParaRPr lang="en-IN"/>
           </a:p>
@@ -2310,7 +2310,7 @@
           <a:p>
             <a:fld id="{9F28C9D7-B293-4C2E-90CE-AC031540AB14}" type="datetimeFigureOut">
               <a:rPr lang="en-IN" smtClean="0"/>
-              <a:t>20-12-2021</a:t>
+              <a:t>24-12-2021</a:t>
             </a:fld>
             <a:endParaRPr lang="en-IN"/>
           </a:p>
@@ -2559,7 +2559,7 @@
           <a:p>
             <a:fld id="{9F28C9D7-B293-4C2E-90CE-AC031540AB14}" type="datetimeFigureOut">
               <a:rPr lang="en-IN" smtClean="0"/>
-              <a:t>20-12-2021</a:t>
+              <a:t>24-12-2021</a:t>
             </a:fld>
             <a:endParaRPr lang="en-IN"/>
           </a:p>
@@ -2818,7 +2818,7 @@
           <a:p>
             <a:fld id="{9F28C9D7-B293-4C2E-90CE-AC031540AB14}" type="datetimeFigureOut">
               <a:rPr lang="en-IN" smtClean="0"/>
-              <a:t>20-12-2021</a:t>
+              <a:t>24-12-2021</a:t>
             </a:fld>
             <a:endParaRPr lang="en-IN"/>
           </a:p>
@@ -3222,7 +3222,7 @@
           <a:p>
             <a:fld id="{9F28C9D7-B293-4C2E-90CE-AC031540AB14}" type="datetimeFigureOut">
               <a:rPr lang="en-IN" smtClean="0"/>
-              <a:t>20-12-2021</a:t>
+              <a:t>24-12-2021</a:t>
             </a:fld>
             <a:endParaRPr lang="en-IN"/>
           </a:p>
@@ -4052,8 +4052,8 @@
         </p:nvSpPr>
         <p:spPr>
           <a:xfrm>
-            <a:off x="395536" y="908720"/>
-            <a:ext cx="8352928" cy="5616624"/>
+            <a:off x="323528" y="1272272"/>
+            <a:ext cx="8352928" cy="4677008"/>
           </a:xfrm>
         </p:spPr>
         <p:txBody>
@@ -4343,7 +4343,7 @@
         </p:spPr>
         <p:txBody>
           <a:bodyPr>
-            <a:normAutofit fontScale="92500" lnSpcReduction="10000"/>
+            <a:normAutofit/>
           </a:bodyPr>
           <a:lstStyle/>
           <a:p>
@@ -4360,12 +4360,8 @@
               <a:t>Tuples &amp; </a:t>
             </a:r>
             <a:r>
-              <a:rPr lang="en-US" sz="2600" b="1" dirty="0" err="1" smtClean="0"/>
-              <a:t>Dict</a:t>
-            </a:r>
-            <a:r>
               <a:rPr lang="en-US" sz="2600" b="1" dirty="0" smtClean="0"/>
-              <a:t>)</a:t>
+              <a:t>Dictionary)</a:t>
             </a:r>
           </a:p>
           <a:p>
@@ -4377,171 +4373,166 @@
           <a:p>
             <a:pPr lvl="1"/>
             <a:r>
-              <a:rPr lang="en-US" sz="2100" dirty="0"/>
+              <a:rPr lang="en-US" sz="1800" dirty="0"/>
               <a:t>simple lists: constructing vectors, indexing and slicing, the </a:t>
             </a:r>
             <a:r>
-              <a:rPr lang="en-US" sz="2100" b="1" dirty="0" err="1"/>
+              <a:rPr lang="en-US" sz="1800" b="1" dirty="0" err="1"/>
               <a:t>len</a:t>
             </a:r>
             <a:r>
-              <a:rPr lang="en-US" sz="2100" b="1" dirty="0"/>
+              <a:rPr lang="en-US" sz="1800" b="1" dirty="0"/>
               <a:t>()</a:t>
             </a:r>
             <a:r>
-              <a:rPr lang="en-US" sz="2100" dirty="0"/>
-              <a:t> function</a:t>
-            </a:r>
+              <a:rPr lang="en-US" sz="1800" dirty="0"/>
+              <a:t> </a:t>
+            </a:r>
+            <a:r>
+              <a:rPr lang="en-US" sz="1800" dirty="0" smtClean="0"/>
+              <a:t>function</a:t>
+            </a:r>
+            <a:endParaRPr lang="en-US" sz="1800" dirty="0"/>
           </a:p>
           <a:p>
             <a:pPr lvl="1"/>
             <a:r>
-              <a:rPr lang="en-US" sz="2100" dirty="0"/>
+              <a:rPr lang="en-US" sz="1800" dirty="0"/>
               <a:t>lists in detail: indexing, slicing, basic methods (</a:t>
             </a:r>
             <a:r>
-              <a:rPr lang="en-US" sz="2100" b="1" dirty="0"/>
+              <a:rPr lang="en-US" sz="1800" b="1" dirty="0"/>
               <a:t>append()</a:t>
             </a:r>
             <a:r>
-              <a:rPr lang="en-US" sz="2100" dirty="0"/>
+              <a:rPr lang="en-US" sz="1800" dirty="0"/>
               <a:t>, </a:t>
             </a:r>
             <a:r>
-              <a:rPr lang="en-US" sz="2100" b="1" dirty="0"/>
+              <a:rPr lang="en-US" sz="1800" b="1" dirty="0"/>
               <a:t>insert()</a:t>
             </a:r>
             <a:r>
-              <a:rPr lang="en-US" sz="2100" dirty="0"/>
+              <a:rPr lang="en-US" sz="1800" dirty="0"/>
               <a:t>, </a:t>
             </a:r>
             <a:r>
-              <a:rPr lang="en-US" sz="2100" b="1" dirty="0"/>
+              <a:rPr lang="en-US" sz="1800" b="1" dirty="0"/>
               <a:t>index()</a:t>
             </a:r>
             <a:r>
-              <a:rPr lang="en-US" sz="2100" dirty="0"/>
+              <a:rPr lang="en-US" sz="1800" dirty="0"/>
               <a:t>) and functions (</a:t>
             </a:r>
             <a:r>
-              <a:rPr lang="en-US" sz="2100" b="1" dirty="0" err="1"/>
+              <a:rPr lang="en-US" sz="1800" b="1" dirty="0" err="1"/>
               <a:t>len</a:t>
             </a:r>
             <a:r>
-              <a:rPr lang="en-US" sz="2100" b="1" dirty="0"/>
+              <a:rPr lang="en-US" sz="1800" b="1" dirty="0"/>
               <a:t>()</a:t>
             </a:r>
             <a:r>
-              <a:rPr lang="en-US" sz="2100" dirty="0"/>
+              <a:rPr lang="en-US" sz="1800" dirty="0"/>
               <a:t>, </a:t>
             </a:r>
             <a:r>
-              <a:rPr lang="en-US" sz="2100" b="1" dirty="0"/>
+              <a:rPr lang="en-US" sz="1800" b="1" dirty="0"/>
               <a:t>sorted()</a:t>
             </a:r>
             <a:r>
-              <a:rPr lang="en-US" sz="2100" dirty="0"/>
+              <a:rPr lang="en-US" sz="1800" dirty="0"/>
               <a:t>, etc.), </a:t>
             </a:r>
             <a:r>
-              <a:rPr lang="en-US" sz="2100" b="1" dirty="0"/>
+              <a:rPr lang="en-US" sz="1800" b="1" dirty="0"/>
               <a:t>del</a:t>
             </a:r>
             <a:r>
-              <a:rPr lang="en-US" sz="2100" dirty="0"/>
+              <a:rPr lang="en-US" sz="1800" dirty="0"/>
               <a:t> instruction, iterating lists with the </a:t>
             </a:r>
             <a:r>
-              <a:rPr lang="en-US" sz="2100" b="1" dirty="0"/>
+              <a:rPr lang="en-US" sz="1800" b="1" dirty="0"/>
               <a:t>for</a:t>
             </a:r>
             <a:r>
-              <a:rPr lang="en-US" sz="2100" dirty="0"/>
+              <a:rPr lang="en-US" sz="1800" dirty="0"/>
               <a:t> loop, initializing, </a:t>
             </a:r>
             <a:r>
-              <a:rPr lang="en-US" sz="2100" b="1" dirty="0"/>
+              <a:rPr lang="en-US" sz="1800" b="1" dirty="0"/>
               <a:t>in</a:t>
             </a:r>
             <a:r>
-              <a:rPr lang="en-US" sz="2100" dirty="0"/>
+              <a:rPr lang="en-US" sz="1800" dirty="0"/>
               <a:t> and </a:t>
             </a:r>
             <a:r>
-              <a:rPr lang="en-US" sz="2100" b="1" dirty="0"/>
+              <a:rPr lang="en-US" sz="1800" b="1" dirty="0"/>
               <a:t>not in</a:t>
             </a:r>
             <a:r>
-              <a:rPr lang="en-US" sz="2100" dirty="0"/>
+              <a:rPr lang="en-US" sz="1800" dirty="0"/>
               <a:t> operators, list comprehension, copying and cloning</a:t>
             </a:r>
           </a:p>
           <a:p>
             <a:pPr lvl="1"/>
             <a:r>
-              <a:rPr lang="en-US" sz="2100" dirty="0"/>
+              <a:rPr lang="en-US" sz="1800" dirty="0"/>
               <a:t>lists in lists: matrices and cubes</a:t>
             </a:r>
           </a:p>
           <a:p>
             <a:pPr lvl="1"/>
             <a:r>
-              <a:rPr lang="en-US" sz="2100" dirty="0"/>
+              <a:rPr lang="en-US" sz="1800" dirty="0"/>
               <a:t>tuples: indexing, slicing, building, immutability</a:t>
             </a:r>
           </a:p>
           <a:p>
             <a:pPr lvl="1"/>
             <a:r>
-              <a:rPr lang="en-US" sz="2100" dirty="0"/>
+              <a:rPr lang="en-US" sz="1800" dirty="0"/>
               <a:t>tuples vs. lists: similarities and differences, lists inside tuples and tuples inside lists</a:t>
             </a:r>
           </a:p>
           <a:p>
             <a:pPr lvl="1"/>
             <a:r>
-              <a:rPr lang="en-US" sz="2100" dirty="0"/>
+              <a:rPr lang="en-US" sz="1800" dirty="0"/>
               <a:t>dictionaries: building, indexing, adding and removing keys, iterating through dictionaries as well as their keys and values, checking key existence, </a:t>
             </a:r>
             <a:r>
-              <a:rPr lang="en-US" sz="2100" b="1" dirty="0"/>
+              <a:rPr lang="en-US" sz="1800" b="1" dirty="0"/>
               <a:t>keys()</a:t>
             </a:r>
             <a:r>
-              <a:rPr lang="en-US" sz="2100" dirty="0"/>
+              <a:rPr lang="en-US" sz="1800" dirty="0"/>
               <a:t>, </a:t>
             </a:r>
             <a:r>
-              <a:rPr lang="en-US" sz="2100" b="1" dirty="0"/>
+              <a:rPr lang="en-US" sz="1800" b="1" dirty="0"/>
               <a:t>items()</a:t>
             </a:r>
             <a:r>
-              <a:rPr lang="en-US" sz="2100" dirty="0"/>
+              <a:rPr lang="en-US" sz="1800" dirty="0"/>
               <a:t> and </a:t>
             </a:r>
             <a:r>
-              <a:rPr lang="en-US" sz="2100" b="1" dirty="0"/>
+              <a:rPr lang="en-US" sz="1800" b="1" dirty="0"/>
               <a:t>values()</a:t>
             </a:r>
             <a:r>
-              <a:rPr lang="en-US" sz="2100" dirty="0"/>
-              <a:t> methods</a:t>
-            </a:r>
-          </a:p>
-          <a:p>
-            <a:pPr lvl="1"/>
-            <a:r>
-              <a:rPr lang="en-US" sz="2100" dirty="0"/>
-              <a:t>strings in detail: escaping using the </a:t>
-            </a:r>
-            <a:r>
-              <a:rPr lang="en-US" sz="2100" b="1" dirty="0"/>
-              <a:t>\</a:t>
-            </a:r>
-            <a:r>
-              <a:rPr lang="en-US" sz="2100" dirty="0"/>
-              <a:t> character, quotes and apostrophes inside strings, multi-line strings, basic string functions.</a:t>
-            </a:r>
+              <a:rPr lang="en-US" sz="1800" dirty="0"/>
+              <a:t> </a:t>
+            </a:r>
+            <a:r>
+              <a:rPr lang="en-US" sz="1800" dirty="0" smtClean="0"/>
+              <a:t>methods.</a:t>
+            </a:r>
+            <a:endParaRPr lang="en-US" sz="1800" dirty="0"/>
           </a:p>
           <a:p>
             <a:pPr marL="448056" lvl="1" indent="0">
@@ -4667,99 +4658,99 @@
           <a:p>
             <a:pPr lvl="1"/>
             <a:r>
-              <a:rPr lang="en-US" sz="1900" dirty="0"/>
+              <a:rPr lang="en-US" sz="1800" dirty="0"/>
               <a:t>defining and invoking your own functions and generators</a:t>
             </a:r>
           </a:p>
           <a:p>
             <a:pPr lvl="1"/>
             <a:r>
-              <a:rPr lang="en-US" sz="1900" b="1" dirty="0"/>
+              <a:rPr lang="en-US" sz="1800" b="1" dirty="0"/>
               <a:t>return</a:t>
             </a:r>
             <a:r>
-              <a:rPr lang="en-US" sz="1900" dirty="0"/>
+              <a:rPr lang="en-US" sz="1800" dirty="0"/>
               <a:t> and </a:t>
             </a:r>
             <a:r>
-              <a:rPr lang="en-US" sz="1900" b="1" dirty="0"/>
+              <a:rPr lang="en-US" sz="1800" b="1" dirty="0"/>
               <a:t>yield</a:t>
             </a:r>
             <a:r>
-              <a:rPr lang="en-US" sz="1900" dirty="0"/>
+              <a:rPr lang="en-US" sz="1800" dirty="0"/>
               <a:t> keywords, returning results,</a:t>
             </a:r>
           </a:p>
           <a:p>
             <a:pPr lvl="1"/>
             <a:r>
-              <a:rPr lang="en-US" sz="1900" dirty="0"/>
+              <a:rPr lang="en-US" sz="1800" dirty="0"/>
               <a:t>the </a:t>
             </a:r>
             <a:r>
-              <a:rPr lang="en-US" sz="1900" b="1" dirty="0"/>
+              <a:rPr lang="en-US" sz="1800" b="1" dirty="0"/>
               <a:t>None</a:t>
             </a:r>
             <a:r>
-              <a:rPr lang="en-US" sz="1900" dirty="0"/>
+              <a:rPr lang="en-US" sz="1800" dirty="0"/>
               <a:t> keyword,</a:t>
             </a:r>
           </a:p>
           <a:p>
             <a:pPr lvl="1"/>
             <a:r>
-              <a:rPr lang="en-US" sz="1900" dirty="0"/>
+              <a:rPr lang="en-US" sz="1800" dirty="0"/>
               <a:t>recursion</a:t>
             </a:r>
           </a:p>
           <a:p>
             <a:pPr lvl="1"/>
             <a:r>
-              <a:rPr lang="en-US" sz="1900" dirty="0"/>
+              <a:rPr lang="en-US" sz="1800" dirty="0"/>
               <a:t>parameters vs. arguments,</a:t>
             </a:r>
           </a:p>
           <a:p>
             <a:pPr lvl="1"/>
             <a:r>
-              <a:rPr lang="en-US" sz="1900" dirty="0"/>
+              <a:rPr lang="en-US" sz="1800" dirty="0"/>
               <a:t>positional keyword and mixed argument passing,</a:t>
             </a:r>
           </a:p>
           <a:p>
             <a:pPr lvl="1"/>
             <a:r>
-              <a:rPr lang="en-US" sz="1900" dirty="0"/>
+              <a:rPr lang="en-US" sz="1800" dirty="0"/>
               <a:t>default parameter values</a:t>
             </a:r>
           </a:p>
           <a:p>
             <a:pPr lvl="1"/>
             <a:r>
-              <a:rPr lang="en-US" sz="1900" dirty="0"/>
+              <a:rPr lang="en-US" sz="1800" dirty="0"/>
               <a:t>converting generator objects into lists using the </a:t>
             </a:r>
             <a:r>
-              <a:rPr lang="en-US" sz="1900" b="1" dirty="0"/>
+              <a:rPr lang="en-US" sz="1800" b="1" dirty="0"/>
               <a:t>list()</a:t>
             </a:r>
             <a:r>
-              <a:rPr lang="en-US" sz="1900" dirty="0"/>
+              <a:rPr lang="en-US" sz="1800" dirty="0"/>
               <a:t> function</a:t>
             </a:r>
           </a:p>
           <a:p>
             <a:pPr lvl="1"/>
             <a:r>
-              <a:rPr lang="en-US" sz="1900" dirty="0"/>
+              <a:rPr lang="en-US" sz="1800" dirty="0"/>
               <a:t>name scopes, name hiding (shadowing), the </a:t>
             </a:r>
             <a:r>
-              <a:rPr lang="en-US" sz="1900" b="1" dirty="0"/>
+              <a:rPr lang="en-US" sz="1800" b="1" dirty="0"/>
               <a:t>global</a:t>
             </a:r>
             <a:r>
-              <a:rPr lang="en-US" sz="1900" dirty="0"/>
+              <a:rPr lang="en-US" sz="1800" dirty="0"/>
               <a:t> keyword</a:t>
             </a:r>
           </a:p>
@@ -4767,7 +4758,7 @@
             <a:pPr marL="448056" lvl="1" indent="0">
               <a:buNone/>
             </a:pPr>
-            <a:endParaRPr lang="en-US" dirty="0" smtClean="0"/>
+            <a:endParaRPr lang="en-US" sz="1800" dirty="0" smtClean="0"/>
           </a:p>
         </p:txBody>
       </p:sp>
@@ -4842,16 +4833,80 @@
             <p:ph idx="1"/>
           </p:nvPr>
         </p:nvSpPr>
-        <p:spPr/>
+        <p:spPr>
+          <a:xfrm>
+            <a:off x="457200" y="1600200"/>
+            <a:ext cx="8291264" cy="4525963"/>
+          </a:xfrm>
+        </p:spPr>
         <p:txBody>
           <a:bodyPr/>
           <a:lstStyle/>
           <a:p>
             <a:r>
-              <a:rPr lang="en-IN" dirty="0" smtClean="0"/>
+              <a:rPr lang="en-US" b="1" dirty="0" smtClean="0"/>
               <a:t>PCEP</a:t>
             </a:r>
-            <a:endParaRPr lang="en-IN" dirty="0"/>
+          </a:p>
+          <a:p>
+            <a:pPr marL="36576" indent="0">
+              <a:buNone/>
+            </a:pPr>
+            <a:r>
+              <a:rPr lang="en-US" sz="2400" b="1" dirty="0" smtClean="0"/>
+              <a:t>Certified </a:t>
+            </a:r>
+            <a:r>
+              <a:rPr lang="en-US" sz="2400" b="1" dirty="0"/>
+              <a:t>Entry-Level Python Programmer </a:t>
+            </a:r>
+            <a:r>
+              <a:rPr lang="en-US" sz="2400" b="1" dirty="0" smtClean="0"/>
+              <a:t>Certification</a:t>
+            </a:r>
+          </a:p>
+          <a:p>
+            <a:pPr marL="36576" indent="0">
+              <a:buNone/>
+            </a:pPr>
+            <a:r>
+              <a:rPr lang="en-US" sz="2400" b="1" dirty="0" smtClean="0"/>
+              <a:t>Cost : 4000 - 5000 INR</a:t>
+            </a:r>
+          </a:p>
+          <a:p>
+            <a:pPr marL="36576" indent="0">
+              <a:buNone/>
+            </a:pPr>
+            <a:r>
+              <a:rPr lang="en-US" sz="2400" dirty="0">
+                <a:hlinkClick r:id="rId2"/>
+              </a:rPr>
+              <a:t>PCEP Certification (Entry-Level) | Python Institute</a:t>
+            </a:r>
+            <a:endParaRPr lang="en-US" sz="2400" b="1" dirty="0" smtClean="0"/>
+          </a:p>
+          <a:p>
+            <a:pPr marL="36576" indent="0">
+              <a:buNone/>
+            </a:pPr>
+            <a:r>
+              <a:rPr lang="en-US" sz="2400" b="1" dirty="0" smtClean="0"/>
+              <a:t>Voucher : </a:t>
+            </a:r>
+            <a:r>
+              <a:rPr lang="en-IN" sz="2400" dirty="0" err="1">
+                <a:hlinkClick r:id="rId3"/>
+              </a:rPr>
+              <a:t>OpenEDG</a:t>
+            </a:r>
+            <a:r>
+              <a:rPr lang="en-IN" sz="2400" dirty="0">
+                <a:hlinkClick r:id="rId3"/>
+              </a:rPr>
+              <a:t> - Store (edube.org)</a:t>
+            </a:r>
+            <a:endParaRPr lang="en-US" sz="2400" dirty="0"/>
           </a:p>
         </p:txBody>
       </p:sp>
